--- a/Presentation/CyberXSSPresentation.pptx
+++ b/Presentation/CyberXSSPresentation.pptx
@@ -11,33 +11,36 @@
     <p:sldId id="256" r:id="rId6"/>
     <p:sldId id="257" r:id="rId7"/>
     <p:sldId id="258" r:id="rId8"/>
+    <p:sldId id="259" r:id="rId9"/>
+    <p:sldId id="260" r:id="rId10"/>
+    <p:sldId id="261" r:id="rId11"/>
   </p:sldIdLst>
   <p:sldSz cy="5143500" cx="9144000"/>
   <p:notesSz cx="6858000" cy="9144000"/>
   <p:embeddedFontLst>
     <p:embeddedFont>
       <p:font typeface="Darker Grotesque Medium"/>
-      <p:regular r:id="rId9"/>
-      <p:bold r:id="rId10"/>
+      <p:regular r:id="rId12"/>
+      <p:bold r:id="rId13"/>
     </p:embeddedFont>
     <p:embeddedFont>
       <p:font typeface="Montserrat"/>
-      <p:regular r:id="rId11"/>
-      <p:bold r:id="rId12"/>
-      <p:italic r:id="rId13"/>
-      <p:boldItalic r:id="rId14"/>
+      <p:regular r:id="rId14"/>
+      <p:bold r:id="rId15"/>
+      <p:italic r:id="rId16"/>
+      <p:boldItalic r:id="rId17"/>
     </p:embeddedFont>
     <p:embeddedFont>
       <p:font typeface="Darker Grotesque"/>
-      <p:regular r:id="rId15"/>
-      <p:bold r:id="rId16"/>
+      <p:regular r:id="rId18"/>
+      <p:bold r:id="rId19"/>
     </p:embeddedFont>
     <p:embeddedFont>
       <p:font typeface="PT Sans"/>
-      <p:regular r:id="rId17"/>
-      <p:bold r:id="rId18"/>
-      <p:italic r:id="rId19"/>
-      <p:boldItalic r:id="rId20"/>
+      <p:regular r:id="rId20"/>
+      <p:bold r:id="rId21"/>
+      <p:italic r:id="rId22"/>
+      <p:boldItalic r:id="rId23"/>
     </p:embeddedFont>
   </p:embeddedFontLst>
   <p:defaultTextStyle>
@@ -998,6 +1001,304 @@
             </a:pPr>
             <a:r>
               <a:t/>
+            </a:r>
+            <a:endParaRPr/>
+          </a:p>
+        </p:txBody>
+      </p:sp>
+    </p:spTree>
+  </p:cSld>
+  <p:clrMapOvr>
+    <a:masterClrMapping/>
+  </p:clrMapOvr>
+</p:notes>
+</file>
+
+<file path=ppt/notesSlides/notesSlide4.xml><?xml version="1.0" encoding="utf-8"?>
+<p:notes xmlns:a="http://schemas.openxmlformats.org/drawingml/2006/main" xmlns:r="http://schemas.openxmlformats.org/officeDocument/2006/relationships" xmlns:mc="http://schemas.openxmlformats.org/markup-compatibility/2006" xmlns:mv="urn:schemas-microsoft-com:mac:vml" xmlns:p="http://schemas.openxmlformats.org/presentationml/2006/main" xmlns:c="http://schemas.openxmlformats.org/drawingml/2006/chart" xmlns:dgm="http://schemas.openxmlformats.org/drawingml/2006/diagram" xmlns:o="urn:schemas-microsoft-com:office:office" xmlns:v="urn:schemas-microsoft-com:vml" xmlns:pvml="urn:schemas-microsoft-com:office:powerpoint" xmlns:com="http://schemas.openxmlformats.org/drawingml/2006/compatibility" xmlns:p14="http://schemas.microsoft.com/office/powerpoint/2010/main" xmlns:p15="http://schemas.microsoft.com/office/powerpoint/2012/main" xmlns:ahyp="http://schemas.microsoft.com/office/drawing/2018/hyperlinkcolor" showMasterPhAnim="0" showMasterSp="0">
+  <p:cSld>
+    <p:spTree>
+      <p:nvGrpSpPr>
+        <p:cNvPr id="600" name="Shape 600"/>
+        <p:cNvGrpSpPr/>
+        <p:nvPr/>
+      </p:nvGrpSpPr>
+      <p:grpSpPr>
+        <a:xfrm>
+          <a:off x="0" y="0"/>
+          <a:ext cx="0" cy="0"/>
+          <a:chOff x="0" y="0"/>
+          <a:chExt cx="0" cy="0"/>
+        </a:xfrm>
+      </p:grpSpPr>
+      <p:sp>
+        <p:nvSpPr>
+          <p:cNvPr id="601" name="Google Shape;601;gcfeb1aba05_0_12:notes"/>
+          <p:cNvSpPr/>
+          <p:nvPr>
+            <p:ph idx="2" type="sldImg"/>
+          </p:nvPr>
+        </p:nvSpPr>
+        <p:spPr>
+          <a:xfrm>
+            <a:off x="381300" y="685800"/>
+            <a:ext cx="6096000" cy="3429000"/>
+          </a:xfrm>
+          <a:custGeom>
+            <a:rect b="b" l="l" r="r" t="t"/>
+            <a:pathLst>
+              <a:path extrusionOk="0" h="120000" w="120000">
+                <a:moveTo>
+                  <a:pt x="0" y="0"/>
+                </a:moveTo>
+                <a:lnTo>
+                  <a:pt x="120000" y="0"/>
+                </a:lnTo>
+                <a:lnTo>
+                  <a:pt x="120000" y="120000"/>
+                </a:lnTo>
+                <a:lnTo>
+                  <a:pt x="0" y="120000"/>
+                </a:lnTo>
+                <a:close/>
+              </a:path>
+            </a:pathLst>
+          </a:custGeom>
+        </p:spPr>
+      </p:sp>
+      <p:sp>
+        <p:nvSpPr>
+          <p:cNvPr id="602" name="Google Shape;602;gcfeb1aba05_0_12:notes"/>
+          <p:cNvSpPr txBox="1"/>
+          <p:nvPr>
+            <p:ph idx="1" type="body"/>
+          </p:nvPr>
+        </p:nvSpPr>
+        <p:spPr>
+          <a:xfrm>
+            <a:off x="685800" y="4343400"/>
+            <a:ext cx="5486400" cy="4114800"/>
+          </a:xfrm>
+          <a:prstGeom prst="rect">
+            <a:avLst/>
+          </a:prstGeom>
+        </p:spPr>
+        <p:txBody>
+          <a:bodyPr anchorCtr="0" anchor="t" bIns="91425" lIns="91425" spcFirstLastPara="1" rIns="91425" wrap="square" tIns="91425">
+            <a:noAutofit/>
+          </a:bodyPr>
+          <a:lstStyle/>
+          <a:p>
+            <a:pPr indent="0" lvl="0" marL="0" rtl="0" algn="l">
+              <a:spcBef>
+                <a:spcPts val="0"/>
+              </a:spcBef>
+              <a:spcAft>
+                <a:spcPts val="0"/>
+              </a:spcAft>
+              <a:buNone/>
+            </a:pPr>
+            <a:r>
+              <a:t/>
+            </a:r>
+            <a:endParaRPr/>
+          </a:p>
+        </p:txBody>
+      </p:sp>
+    </p:spTree>
+  </p:cSld>
+  <p:clrMapOvr>
+    <a:masterClrMapping/>
+  </p:clrMapOvr>
+</p:notes>
+</file>
+
+<file path=ppt/notesSlides/notesSlide5.xml><?xml version="1.0" encoding="utf-8"?>
+<p:notes xmlns:a="http://schemas.openxmlformats.org/drawingml/2006/main" xmlns:r="http://schemas.openxmlformats.org/officeDocument/2006/relationships" xmlns:mc="http://schemas.openxmlformats.org/markup-compatibility/2006" xmlns:mv="urn:schemas-microsoft-com:mac:vml" xmlns:p="http://schemas.openxmlformats.org/presentationml/2006/main" xmlns:c="http://schemas.openxmlformats.org/drawingml/2006/chart" xmlns:dgm="http://schemas.openxmlformats.org/drawingml/2006/diagram" xmlns:o="urn:schemas-microsoft-com:office:office" xmlns:v="urn:schemas-microsoft-com:vml" xmlns:pvml="urn:schemas-microsoft-com:office:powerpoint" xmlns:com="http://schemas.openxmlformats.org/drawingml/2006/compatibility" xmlns:p14="http://schemas.microsoft.com/office/powerpoint/2010/main" xmlns:p15="http://schemas.microsoft.com/office/powerpoint/2012/main" xmlns:ahyp="http://schemas.microsoft.com/office/drawing/2018/hyperlinkcolor" showMasterPhAnim="0" showMasterSp="0">
+  <p:cSld>
+    <p:spTree>
+      <p:nvGrpSpPr>
+        <p:cNvPr id="606" name="Shape 606"/>
+        <p:cNvGrpSpPr/>
+        <p:nvPr/>
+      </p:nvGrpSpPr>
+      <p:grpSpPr>
+        <a:xfrm>
+          <a:off x="0" y="0"/>
+          <a:ext cx="0" cy="0"/>
+          <a:chOff x="0" y="0"/>
+          <a:chExt cx="0" cy="0"/>
+        </a:xfrm>
+      </p:grpSpPr>
+      <p:sp>
+        <p:nvSpPr>
+          <p:cNvPr id="607" name="Google Shape;607;gcfeb1aba05_0_2:notes"/>
+          <p:cNvSpPr/>
+          <p:nvPr>
+            <p:ph idx="2" type="sldImg"/>
+          </p:nvPr>
+        </p:nvSpPr>
+        <p:spPr>
+          <a:xfrm>
+            <a:off x="381300" y="685800"/>
+            <a:ext cx="6096000" cy="3429000"/>
+          </a:xfrm>
+          <a:custGeom>
+            <a:rect b="b" l="l" r="r" t="t"/>
+            <a:pathLst>
+              <a:path extrusionOk="0" h="120000" w="120000">
+                <a:moveTo>
+                  <a:pt x="0" y="0"/>
+                </a:moveTo>
+                <a:lnTo>
+                  <a:pt x="120000" y="0"/>
+                </a:lnTo>
+                <a:lnTo>
+                  <a:pt x="120000" y="120000"/>
+                </a:lnTo>
+                <a:lnTo>
+                  <a:pt x="0" y="120000"/>
+                </a:lnTo>
+                <a:close/>
+              </a:path>
+            </a:pathLst>
+          </a:custGeom>
+        </p:spPr>
+      </p:sp>
+      <p:sp>
+        <p:nvSpPr>
+          <p:cNvPr id="608" name="Google Shape;608;gcfeb1aba05_0_2:notes"/>
+          <p:cNvSpPr txBox="1"/>
+          <p:nvPr>
+            <p:ph idx="1" type="body"/>
+          </p:nvPr>
+        </p:nvSpPr>
+        <p:spPr>
+          <a:xfrm>
+            <a:off x="685800" y="4343400"/>
+            <a:ext cx="5486400" cy="4114800"/>
+          </a:xfrm>
+          <a:prstGeom prst="rect">
+            <a:avLst/>
+          </a:prstGeom>
+        </p:spPr>
+        <p:txBody>
+          <a:bodyPr anchorCtr="0" anchor="t" bIns="91425" lIns="91425" spcFirstLastPara="1" rIns="91425" wrap="square" tIns="91425">
+            <a:noAutofit/>
+          </a:bodyPr>
+          <a:lstStyle/>
+          <a:p>
+            <a:pPr indent="0" lvl="0" marL="0" rtl="0" algn="l">
+              <a:spcBef>
+                <a:spcPts val="0"/>
+              </a:spcBef>
+              <a:spcAft>
+                <a:spcPts val="0"/>
+              </a:spcAft>
+              <a:buNone/>
+            </a:pPr>
+            <a:r>
+              <a:t/>
+            </a:r>
+            <a:endParaRPr/>
+          </a:p>
+        </p:txBody>
+      </p:sp>
+    </p:spTree>
+  </p:cSld>
+  <p:clrMapOvr>
+    <a:masterClrMapping/>
+  </p:clrMapOvr>
+</p:notes>
+</file>
+
+<file path=ppt/notesSlides/notesSlide6.xml><?xml version="1.0" encoding="utf-8"?>
+<p:notes xmlns:a="http://schemas.openxmlformats.org/drawingml/2006/main" xmlns:r="http://schemas.openxmlformats.org/officeDocument/2006/relationships" xmlns:mc="http://schemas.openxmlformats.org/markup-compatibility/2006" xmlns:mv="urn:schemas-microsoft-com:mac:vml" xmlns:p="http://schemas.openxmlformats.org/presentationml/2006/main" xmlns:c="http://schemas.openxmlformats.org/drawingml/2006/chart" xmlns:dgm="http://schemas.openxmlformats.org/drawingml/2006/diagram" xmlns:o="urn:schemas-microsoft-com:office:office" xmlns:v="urn:schemas-microsoft-com:vml" xmlns:pvml="urn:schemas-microsoft-com:office:powerpoint" xmlns:com="http://schemas.openxmlformats.org/drawingml/2006/compatibility" xmlns:p14="http://schemas.microsoft.com/office/powerpoint/2010/main" xmlns:p15="http://schemas.microsoft.com/office/powerpoint/2012/main" xmlns:ahyp="http://schemas.microsoft.com/office/drawing/2018/hyperlinkcolor" showMasterPhAnim="0" showMasterSp="0">
+  <p:cSld>
+    <p:spTree>
+      <p:nvGrpSpPr>
+        <p:cNvPr id="614" name="Shape 614"/>
+        <p:cNvGrpSpPr/>
+        <p:nvPr/>
+      </p:nvGrpSpPr>
+      <p:grpSpPr>
+        <a:xfrm>
+          <a:off x="0" y="0"/>
+          <a:ext cx="0" cy="0"/>
+          <a:chOff x="0" y="0"/>
+          <a:chExt cx="0" cy="0"/>
+        </a:xfrm>
+      </p:grpSpPr>
+      <p:sp>
+        <p:nvSpPr>
+          <p:cNvPr id="615" name="Google Shape;615;gcfeb1aba05_0_28:notes"/>
+          <p:cNvSpPr/>
+          <p:nvPr>
+            <p:ph idx="2" type="sldImg"/>
+          </p:nvPr>
+        </p:nvSpPr>
+        <p:spPr>
+          <a:xfrm>
+            <a:off x="381300" y="685800"/>
+            <a:ext cx="6096000" cy="3429000"/>
+          </a:xfrm>
+          <a:custGeom>
+            <a:rect b="b" l="l" r="r" t="t"/>
+            <a:pathLst>
+              <a:path extrusionOk="0" h="120000" w="120000">
+                <a:moveTo>
+                  <a:pt x="0" y="0"/>
+                </a:moveTo>
+                <a:lnTo>
+                  <a:pt x="120000" y="0"/>
+                </a:lnTo>
+                <a:lnTo>
+                  <a:pt x="120000" y="120000"/>
+                </a:lnTo>
+                <a:lnTo>
+                  <a:pt x="0" y="120000"/>
+                </a:lnTo>
+                <a:close/>
+              </a:path>
+            </a:pathLst>
+          </a:custGeom>
+        </p:spPr>
+      </p:sp>
+      <p:sp>
+        <p:nvSpPr>
+          <p:cNvPr id="616" name="Google Shape;616;gcfeb1aba05_0_28:notes"/>
+          <p:cNvSpPr txBox="1"/>
+          <p:nvPr>
+            <p:ph idx="1" type="body"/>
+          </p:nvPr>
+        </p:nvSpPr>
+        <p:spPr>
+          <a:xfrm>
+            <a:off x="685800" y="4343400"/>
+            <a:ext cx="5486400" cy="4114800"/>
+          </a:xfrm>
+          <a:prstGeom prst="rect">
+            <a:avLst/>
+          </a:prstGeom>
+        </p:spPr>
+        <p:txBody>
+          <a:bodyPr anchorCtr="0" anchor="t" bIns="91425" lIns="91425" spcFirstLastPara="1" rIns="91425" wrap="square" tIns="91425">
+            <a:noAutofit/>
+          </a:bodyPr>
+          <a:lstStyle/>
+          <a:p>
+            <a:pPr indent="0" lvl="0" marL="0" rtl="0" algn="l">
+              <a:spcBef>
+                <a:spcPts val="0"/>
+              </a:spcBef>
+              <a:spcAft>
+                <a:spcPts val="0"/>
+              </a:spcAft>
+              <a:buNone/>
+            </a:pPr>
+            <a:r>
+              <a:rPr lang="en"/>
+              <a:t>https://owasp.org/www-community/Types_of_Cross-Site_Scripting</a:t>
             </a:r>
             <a:endParaRPr/>
           </a:p>
@@ -39991,7 +40292,7 @@
         <p:spPr>
           <a:xfrm>
             <a:off x="720000" y="1444275"/>
-            <a:ext cx="7704000" cy="3011700"/>
+            <a:ext cx="3574200" cy="2929500"/>
           </a:xfrm>
           <a:prstGeom prst="rect">
             <a:avLst/>
@@ -40008,12 +40309,163 @@
                 <a:spcPts val="0"/>
               </a:spcBef>
               <a:spcAft>
-                <a:spcPts val="1600"/>
+                <a:spcPts val="0"/>
               </a:spcAft>
               <a:buNone/>
             </a:pPr>
             <a:r>
-              <a:t/>
+              <a:rPr lang="en" sz="1300"/>
+              <a:t>Cross site scripting is a widely used technique to exploit vulnerabilities in </a:t>
+            </a:r>
+            <a:r>
+              <a:rPr lang="en" sz="1300"/>
+              <a:t>trusted</a:t>
+            </a:r>
+            <a:r>
+              <a:rPr lang="en" sz="1300"/>
+              <a:t> websites. It allows the attacker to execute malicious javascript in the target's browser, </a:t>
+            </a:r>
+            <a:r>
+              <a:rPr lang="en" sz="1300"/>
+              <a:t>compromising</a:t>
+            </a:r>
+            <a:r>
+              <a:rPr lang="en" sz="1300"/>
+              <a:t> their interaction. The goal is to steal the user’s sensitive data, whether it’s cookies, session tokens, or login credentials. </a:t>
+            </a:r>
+            <a:endParaRPr sz="1300"/>
+          </a:p>
+          <a:p>
+            <a:pPr indent="0" lvl="0" marL="0" rtl="0" algn="l">
+              <a:spcBef>
+                <a:spcPts val="1600"/>
+              </a:spcBef>
+              <a:spcAft>
+                <a:spcPts val="1600"/>
+              </a:spcAft>
+              <a:buNone/>
+            </a:pPr>
+            <a:r>
+              <a:rPr lang="en" sz="1300"/>
+              <a:t>It is one of the common application level attacks used today. </a:t>
+            </a:r>
+            <a:endParaRPr sz="1300"/>
+          </a:p>
+        </p:txBody>
+      </p:sp>
+      <p:sp>
+        <p:nvSpPr>
+          <p:cNvPr id="596" name="Google Shape;596;p41"/>
+          <p:cNvSpPr txBox="1"/>
+          <p:nvPr>
+            <p:ph type="title"/>
+          </p:nvPr>
+        </p:nvSpPr>
+        <p:spPr>
+          <a:xfrm>
+            <a:off x="271350" y="464800"/>
+            <a:ext cx="8601300" cy="572700"/>
+          </a:xfrm>
+          <a:prstGeom prst="rect">
+            <a:avLst/>
+          </a:prstGeom>
+        </p:spPr>
+        <p:txBody>
+          <a:bodyPr anchorCtr="0" anchor="t" bIns="91425" lIns="91425" spcFirstLastPara="1" rIns="91425" wrap="square" tIns="91425">
+            <a:noAutofit/>
+          </a:bodyPr>
+          <a:lstStyle/>
+          <a:p>
+            <a:pPr indent="0" lvl="0" marL="0" rtl="0" algn="ctr">
+              <a:spcBef>
+                <a:spcPts val="0"/>
+              </a:spcBef>
+              <a:spcAft>
+                <a:spcPts val="0"/>
+              </a:spcAft>
+              <a:buNone/>
+            </a:pPr>
+            <a:r>
+              <a:rPr lang="en"/>
+              <a:t>THE BASICS: WHAT IS AN XSS ATTACK?</a:t>
+            </a:r>
+            <a:endParaRPr/>
+          </a:p>
+        </p:txBody>
+      </p:sp>
+      <p:pic>
+        <p:nvPicPr>
+          <p:cNvPr id="597" name="Google Shape;597;p41"/>
+          <p:cNvPicPr preferRelativeResize="0"/>
+          <p:nvPr/>
+        </p:nvPicPr>
+        <p:blipFill>
+          <a:blip r:embed="rId3">
+            <a:alphaModFix/>
+          </a:blip>
+          <a:stretch>
+            <a:fillRect/>
+          </a:stretch>
+        </p:blipFill>
+        <p:spPr>
+          <a:xfrm>
+            <a:off x="4668850" y="1637734"/>
+            <a:ext cx="3403326" cy="1956925"/>
+          </a:xfrm>
+          <a:prstGeom prst="rect">
+            <a:avLst/>
+          </a:prstGeom>
+          <a:noFill/>
+          <a:ln>
+            <a:noFill/>
+          </a:ln>
+        </p:spPr>
+      </p:pic>
+      <p:sp>
+        <p:nvSpPr>
+          <p:cNvPr id="598" name="Google Shape;598;p41"/>
+          <p:cNvSpPr txBox="1"/>
+          <p:nvPr/>
+        </p:nvSpPr>
+        <p:spPr>
+          <a:xfrm>
+            <a:off x="4917775" y="1163875"/>
+            <a:ext cx="3000000" cy="585000"/>
+          </a:xfrm>
+          <a:prstGeom prst="rect">
+            <a:avLst/>
+          </a:prstGeom>
+          <a:noFill/>
+          <a:ln>
+            <a:noFill/>
+          </a:ln>
+        </p:spPr>
+        <p:txBody>
+          <a:bodyPr anchorCtr="0" anchor="t" bIns="91425" lIns="91425" spcFirstLastPara="1" rIns="91425" wrap="square" tIns="91425">
+            <a:spAutoFit/>
+          </a:bodyPr>
+          <a:lstStyle/>
+          <a:p>
+            <a:pPr indent="0" lvl="0" marL="0" rtl="0" algn="ctr">
+              <a:spcBef>
+                <a:spcPts val="0"/>
+              </a:spcBef>
+              <a:spcAft>
+                <a:spcPts val="1600"/>
+              </a:spcAft>
+              <a:buNone/>
+            </a:pPr>
+            <a:r>
+              <a:rPr lang="en" sz="1300">
+                <a:solidFill>
+                  <a:schemeClr val="dk1"/>
+                </a:solidFill>
+                <a:latin typeface="Darker Grotesque"/>
+                <a:ea typeface="Darker Grotesque"/>
+                <a:cs typeface="Darker Grotesque"/>
+                <a:sym typeface="Darker Grotesque"/>
+              </a:rPr>
+              <a:t>There are three parties involved: attacker, client, and website. </a:t>
             </a:r>
             <a:endParaRPr/>
           </a:p>
@@ -40021,7 +40473,191 @@
       </p:sp>
       <p:sp>
         <p:nvSpPr>
-          <p:cNvPr id="596" name="Google Shape;596;p41"/>
+          <p:cNvPr id="599" name="Google Shape;599;p41"/>
+          <p:cNvSpPr txBox="1"/>
+          <p:nvPr/>
+        </p:nvSpPr>
+        <p:spPr>
+          <a:xfrm>
+            <a:off x="4917775" y="3594650"/>
+            <a:ext cx="3000000" cy="585000"/>
+          </a:xfrm>
+          <a:prstGeom prst="rect">
+            <a:avLst/>
+          </a:prstGeom>
+          <a:noFill/>
+          <a:ln>
+            <a:noFill/>
+          </a:ln>
+        </p:spPr>
+        <p:txBody>
+          <a:bodyPr anchorCtr="0" anchor="t" bIns="91425" lIns="91425" spcFirstLastPara="1" rIns="91425" wrap="square" tIns="91425">
+            <a:spAutoFit/>
+          </a:bodyPr>
+          <a:lstStyle/>
+          <a:p>
+            <a:pPr indent="0" lvl="0" marL="0" rtl="0" algn="l">
+              <a:spcBef>
+                <a:spcPts val="0"/>
+              </a:spcBef>
+              <a:spcAft>
+                <a:spcPts val="1600"/>
+              </a:spcAft>
+              <a:buNone/>
+            </a:pPr>
+            <a:r>
+              <a:rPr lang="en" sz="1300">
+                <a:solidFill>
+                  <a:schemeClr val="dk1"/>
+                </a:solidFill>
+                <a:latin typeface="Darker Grotesque"/>
+                <a:ea typeface="Darker Grotesque"/>
+                <a:cs typeface="Darker Grotesque"/>
+                <a:sym typeface="Darker Grotesque"/>
+              </a:rPr>
+              <a:t>In this example, the attacker is targeting the visitor’s cookies. </a:t>
+            </a:r>
+            <a:endParaRPr/>
+          </a:p>
+        </p:txBody>
+      </p:sp>
+    </p:spTree>
+  </p:cSld>
+  <p:clrMapOvr>
+    <a:masterClrMapping/>
+  </p:clrMapOvr>
+</p:sld>
+</file>
+
+<file path=ppt/slides/slide4.xml><?xml version="1.0" encoding="utf-8"?>
+<p:sld xmlns:a="http://schemas.openxmlformats.org/drawingml/2006/main" xmlns:r="http://schemas.openxmlformats.org/officeDocument/2006/relationships" xmlns:mc="http://schemas.openxmlformats.org/markup-compatibility/2006" xmlns:mv="urn:schemas-microsoft-com:mac:vml" xmlns:p="http://schemas.openxmlformats.org/presentationml/2006/main" xmlns:c="http://schemas.openxmlformats.org/drawingml/2006/chart" xmlns:dgm="http://schemas.openxmlformats.org/drawingml/2006/diagram" xmlns:o="urn:schemas-microsoft-com:office:office" xmlns:v="urn:schemas-microsoft-com:vml" xmlns:pvml="urn:schemas-microsoft-com:office:powerpoint" xmlns:com="http://schemas.openxmlformats.org/drawingml/2006/compatibility" xmlns:p14="http://schemas.microsoft.com/office/powerpoint/2010/main" xmlns:p15="http://schemas.microsoft.com/office/powerpoint/2012/main" xmlns:ahyp="http://schemas.microsoft.com/office/drawing/2018/hyperlinkcolor">
+  <p:cSld>
+    <p:spTree>
+      <p:nvGrpSpPr>
+        <p:cNvPr id="603" name="Shape 603"/>
+        <p:cNvGrpSpPr/>
+        <p:nvPr/>
+      </p:nvGrpSpPr>
+      <p:grpSpPr>
+        <a:xfrm>
+          <a:off x="0" y="0"/>
+          <a:ext cx="0" cy="0"/>
+          <a:chOff x="0" y="0"/>
+          <a:chExt cx="0" cy="0"/>
+        </a:xfrm>
+      </p:grpSpPr>
+      <p:sp>
+        <p:nvSpPr>
+          <p:cNvPr id="604" name="Google Shape;604;p42"/>
+          <p:cNvSpPr txBox="1"/>
+          <p:nvPr>
+            <p:ph type="title"/>
+          </p:nvPr>
+        </p:nvSpPr>
+        <p:spPr>
+          <a:xfrm>
+            <a:off x="1770313" y="1623300"/>
+            <a:ext cx="5813700" cy="993600"/>
+          </a:xfrm>
+          <a:prstGeom prst="rect">
+            <a:avLst/>
+          </a:prstGeom>
+        </p:spPr>
+        <p:txBody>
+          <a:bodyPr anchorCtr="0" anchor="ctr" bIns="91425" lIns="91425" spcFirstLastPara="1" rIns="91425" wrap="square" tIns="91425">
+            <a:noAutofit/>
+          </a:bodyPr>
+          <a:lstStyle/>
+          <a:p>
+            <a:pPr indent="0" lvl="0" marL="0" rtl="0" algn="ctr">
+              <a:spcBef>
+                <a:spcPts val="0"/>
+              </a:spcBef>
+              <a:spcAft>
+                <a:spcPts val="0"/>
+              </a:spcAft>
+              <a:buNone/>
+            </a:pPr>
+            <a:r>
+              <a:rPr lang="en" sz="7500"/>
+              <a:t>825 million</a:t>
+            </a:r>
+            <a:r>
+              <a:rPr lang="en"/>
+              <a:t> </a:t>
+            </a:r>
+            <a:endParaRPr/>
+          </a:p>
+        </p:txBody>
+      </p:sp>
+      <p:sp>
+        <p:nvSpPr>
+          <p:cNvPr id="605" name="Google Shape;605;p42"/>
+          <p:cNvSpPr txBox="1"/>
+          <p:nvPr>
+            <p:ph idx="1" type="subTitle"/>
+          </p:nvPr>
+        </p:nvSpPr>
+        <p:spPr>
+          <a:xfrm>
+            <a:off x="2217975" y="2954525"/>
+            <a:ext cx="4996200" cy="1200600"/>
+          </a:xfrm>
+          <a:prstGeom prst="rect">
+            <a:avLst/>
+          </a:prstGeom>
+        </p:spPr>
+        <p:txBody>
+          <a:bodyPr anchorCtr="0" anchor="ctr" bIns="91425" lIns="91425" spcFirstLastPara="1" rIns="91425" wrap="square" tIns="91425">
+            <a:noAutofit/>
+          </a:bodyPr>
+          <a:lstStyle/>
+          <a:p>
+            <a:pPr indent="0" lvl="0" marL="0" rtl="0" algn="l">
+              <a:spcBef>
+                <a:spcPts val="0"/>
+              </a:spcBef>
+              <a:spcAft>
+                <a:spcPts val="0"/>
+              </a:spcAft>
+              <a:buNone/>
+            </a:pPr>
+            <a:r>
+              <a:rPr lang="en" sz="1500"/>
+              <a:t>The number of users potentially affected in 2018 in a large scale XSS attack that affected Reddit, Yelp, TicketMaster, Western Union, and many others.  Big companies are not immune: Amazon has been affected in the past. </a:t>
+            </a:r>
+            <a:endParaRPr sz="1500"/>
+          </a:p>
+        </p:txBody>
+      </p:sp>
+    </p:spTree>
+  </p:cSld>
+  <p:clrMapOvr>
+    <a:masterClrMapping/>
+  </p:clrMapOvr>
+</p:sld>
+</file>
+
+<file path=ppt/slides/slide5.xml><?xml version="1.0" encoding="utf-8"?>
+<p:sld xmlns:a="http://schemas.openxmlformats.org/drawingml/2006/main" xmlns:r="http://schemas.openxmlformats.org/officeDocument/2006/relationships" xmlns:mc="http://schemas.openxmlformats.org/markup-compatibility/2006" xmlns:mv="urn:schemas-microsoft-com:mac:vml" xmlns:p="http://schemas.openxmlformats.org/presentationml/2006/main" xmlns:c="http://schemas.openxmlformats.org/drawingml/2006/chart" xmlns:dgm="http://schemas.openxmlformats.org/drawingml/2006/diagram" xmlns:o="urn:schemas-microsoft-com:office:office" xmlns:v="urn:schemas-microsoft-com:vml" xmlns:pvml="urn:schemas-microsoft-com:office:powerpoint" xmlns:com="http://schemas.openxmlformats.org/drawingml/2006/compatibility" xmlns:p14="http://schemas.microsoft.com/office/powerpoint/2010/main" xmlns:p15="http://schemas.microsoft.com/office/powerpoint/2012/main" xmlns:ahyp="http://schemas.microsoft.com/office/drawing/2018/hyperlinkcolor">
+  <p:cSld>
+    <p:spTree>
+      <p:nvGrpSpPr>
+        <p:cNvPr id="609" name="Shape 609"/>
+        <p:cNvGrpSpPr/>
+        <p:nvPr/>
+      </p:nvGrpSpPr>
+      <p:grpSpPr>
+        <a:xfrm>
+          <a:off x="0" y="0"/>
+          <a:ext cx="0" cy="0"/>
+          <a:chOff x="0" y="0"/>
+          <a:chExt cx="0" cy="0"/>
+        </a:xfrm>
+      </p:grpSpPr>
+      <p:sp>
+        <p:nvSpPr>
+          <p:cNvPr id="610" name="Google Shape;610;p43"/>
           <p:cNvSpPr txBox="1"/>
           <p:nvPr>
             <p:ph type="title"/>
@@ -40053,7 +40689,357 @@
             </a:pPr>
             <a:r>
               <a:rPr lang="en"/>
-              <a:t>WHAT IS AN XSS ATTACK?</a:t>
+              <a:t>HISTORY</a:t>
+            </a:r>
+            <a:endParaRPr/>
+          </a:p>
+        </p:txBody>
+      </p:sp>
+      <p:sp>
+        <p:nvSpPr>
+          <p:cNvPr id="611" name="Google Shape;611;p43"/>
+          <p:cNvSpPr txBox="1"/>
+          <p:nvPr>
+            <p:ph idx="1" type="body"/>
+          </p:nvPr>
+        </p:nvSpPr>
+        <p:spPr>
+          <a:xfrm>
+            <a:off x="720000" y="1444275"/>
+            <a:ext cx="4255800" cy="3011700"/>
+          </a:xfrm>
+          <a:prstGeom prst="rect">
+            <a:avLst/>
+          </a:prstGeom>
+        </p:spPr>
+        <p:txBody>
+          <a:bodyPr anchorCtr="0" anchor="ctr" bIns="91425" lIns="91425" spcFirstLastPara="1" rIns="91425" wrap="square" tIns="91425">
+            <a:noAutofit/>
+          </a:bodyPr>
+          <a:lstStyle/>
+          <a:p>
+            <a:pPr indent="0" lvl="0" marL="0" rtl="0" algn="l">
+              <a:spcBef>
+                <a:spcPts val="0"/>
+              </a:spcBef>
+              <a:spcAft>
+                <a:spcPts val="0"/>
+              </a:spcAft>
+              <a:buNone/>
+            </a:pPr>
+            <a:r>
+              <a:rPr lang="en" sz="1300"/>
+              <a:t>In January of 2000, Microsoft security engineers introduced the term “cross site scripting.” It referred to loading the attacked web application from an unrelated application through Javascript. The term XSS has now expanded, and Microsoft </a:t>
+            </a:r>
+            <a:r>
+              <a:rPr lang="en" sz="1300"/>
+              <a:t>explains</a:t>
+            </a:r>
+            <a:r>
+              <a:rPr lang="en" sz="1300"/>
+              <a:t> that the original XSS attack can be more specifically classified as the reflected/non-persistent form. XSS attacks also now more broadly include other types of code injections, including </a:t>
+            </a:r>
+            <a:r>
+              <a:rPr lang="en" sz="1300"/>
+              <a:t>persistent</a:t>
+            </a:r>
+            <a:r>
+              <a:rPr lang="en" sz="1300"/>
+              <a:t> vectors (that use Java, HTML, Flash, etc.). </a:t>
+            </a:r>
+            <a:endParaRPr sz="1300"/>
+          </a:p>
+          <a:p>
+            <a:pPr indent="0" lvl="0" marL="0" rtl="0" algn="l">
+              <a:spcBef>
+                <a:spcPts val="1600"/>
+              </a:spcBef>
+              <a:spcAft>
+                <a:spcPts val="1600"/>
+              </a:spcAft>
+              <a:buNone/>
+            </a:pPr>
+            <a:r>
+              <a:rPr lang="en" sz="1300"/>
+              <a:t>Other name options at </a:t>
+            </a:r>
+            <a:r>
+              <a:rPr lang="en" sz="1300"/>
+              <a:t>the</a:t>
+            </a:r>
+            <a:r>
+              <a:rPr lang="en" sz="1300"/>
+              <a:t> time included Unauthorized Site Scripting, Unofficial Site Scripting, URL Parameter Script Insertion, Cross Site Scripting, Synthesized Scripting, Fraudulent Scripting. </a:t>
+            </a:r>
+            <a:endParaRPr sz="1300"/>
+          </a:p>
+        </p:txBody>
+      </p:sp>
+      <p:pic>
+        <p:nvPicPr>
+          <p:cNvPr id="612" name="Google Shape;612;p43"/>
+          <p:cNvPicPr preferRelativeResize="0"/>
+          <p:nvPr/>
+        </p:nvPicPr>
+        <p:blipFill>
+          <a:blip r:embed="rId3">
+            <a:alphaModFix/>
+          </a:blip>
+          <a:stretch>
+            <a:fillRect/>
+          </a:stretch>
+        </p:blipFill>
+        <p:spPr>
+          <a:xfrm>
+            <a:off x="4920908" y="2456780"/>
+            <a:ext cx="3602157" cy="409950"/>
+          </a:xfrm>
+          <a:prstGeom prst="rect">
+            <a:avLst/>
+          </a:prstGeom>
+          <a:noFill/>
+          <a:ln>
+            <a:noFill/>
+          </a:ln>
+        </p:spPr>
+      </p:pic>
+      <p:pic>
+        <p:nvPicPr>
+          <p:cNvPr id="613" name="Google Shape;613;p43"/>
+          <p:cNvPicPr preferRelativeResize="0"/>
+          <p:nvPr/>
+        </p:nvPicPr>
+        <p:blipFill>
+          <a:blip r:embed="rId4">
+            <a:alphaModFix/>
+          </a:blip>
+          <a:stretch>
+            <a:fillRect/>
+          </a:stretch>
+        </p:blipFill>
+        <p:spPr>
+          <a:xfrm>
+            <a:off x="5041325" y="3020950"/>
+            <a:ext cx="3244625" cy="331375"/>
+          </a:xfrm>
+          <a:prstGeom prst="rect">
+            <a:avLst/>
+          </a:prstGeom>
+          <a:noFill/>
+          <a:ln>
+            <a:noFill/>
+          </a:ln>
+        </p:spPr>
+      </p:pic>
+    </p:spTree>
+  </p:cSld>
+  <p:clrMapOvr>
+    <a:masterClrMapping/>
+  </p:clrMapOvr>
+</p:sld>
+</file>
+
+<file path=ppt/slides/slide6.xml><?xml version="1.0" encoding="utf-8"?>
+<p:sld xmlns:a="http://schemas.openxmlformats.org/drawingml/2006/main" xmlns:r="http://schemas.openxmlformats.org/officeDocument/2006/relationships" xmlns:mc="http://schemas.openxmlformats.org/markup-compatibility/2006" xmlns:mv="urn:schemas-microsoft-com:mac:vml" xmlns:p="http://schemas.openxmlformats.org/presentationml/2006/main" xmlns:c="http://schemas.openxmlformats.org/drawingml/2006/chart" xmlns:dgm="http://schemas.openxmlformats.org/drawingml/2006/diagram" xmlns:o="urn:schemas-microsoft-com:office:office" xmlns:v="urn:schemas-microsoft-com:vml" xmlns:pvml="urn:schemas-microsoft-com:office:powerpoint" xmlns:com="http://schemas.openxmlformats.org/drawingml/2006/compatibility" xmlns:p14="http://schemas.microsoft.com/office/powerpoint/2010/main" xmlns:p15="http://schemas.microsoft.com/office/powerpoint/2012/main" xmlns:ahyp="http://schemas.microsoft.com/office/drawing/2018/hyperlinkcolor">
+  <p:cSld>
+    <p:spTree>
+      <p:nvGrpSpPr>
+        <p:cNvPr id="617" name="Shape 617"/>
+        <p:cNvGrpSpPr/>
+        <p:nvPr/>
+      </p:nvGrpSpPr>
+      <p:grpSpPr>
+        <a:xfrm>
+          <a:off x="0" y="0"/>
+          <a:ext cx="0" cy="0"/>
+          <a:chOff x="0" y="0"/>
+          <a:chExt cx="0" cy="0"/>
+        </a:xfrm>
+      </p:grpSpPr>
+      <p:sp>
+        <p:nvSpPr>
+          <p:cNvPr id="618" name="Google Shape;618;p44"/>
+          <p:cNvSpPr txBox="1"/>
+          <p:nvPr>
+            <p:ph idx="1" type="body"/>
+          </p:nvPr>
+        </p:nvSpPr>
+        <p:spPr>
+          <a:xfrm>
+            <a:off x="642500" y="1521250"/>
+            <a:ext cx="7704000" cy="3264000"/>
+          </a:xfrm>
+          <a:prstGeom prst="rect">
+            <a:avLst/>
+          </a:prstGeom>
+        </p:spPr>
+        <p:txBody>
+          <a:bodyPr anchorCtr="0" anchor="ctr" bIns="91425" lIns="91425" spcFirstLastPara="1" rIns="91425" wrap="square" tIns="91425">
+            <a:noAutofit/>
+          </a:bodyPr>
+          <a:lstStyle/>
+          <a:p>
+            <a:pPr indent="-311150" lvl="0" marL="457200" rtl="0" algn="l">
+              <a:spcBef>
+                <a:spcPts val="0"/>
+              </a:spcBef>
+              <a:spcAft>
+                <a:spcPts val="0"/>
+              </a:spcAft>
+              <a:buSzPts val="1300"/>
+              <a:buAutoNum type="arabicPeriod"/>
+            </a:pPr>
+            <a:r>
+              <a:rPr b="1" lang="en" sz="1300"/>
+              <a:t>STORED - Persistent/Type I </a:t>
+            </a:r>
+            <a:endParaRPr b="1" sz="1300"/>
+          </a:p>
+          <a:p>
+            <a:pPr indent="-311150" lvl="1" marL="1371600" rtl="0" algn="l">
+              <a:spcBef>
+                <a:spcPts val="0"/>
+              </a:spcBef>
+              <a:spcAft>
+                <a:spcPts val="0"/>
+              </a:spcAft>
+              <a:buSzPts val="1300"/>
+              <a:buAutoNum type="alphaLcPeriod"/>
+            </a:pPr>
+            <a:r>
+              <a:rPr lang="en" sz="1300"/>
+              <a:t>“user input is stored on the target server, such as in a database, in a message forum, visitor log, comment field, etc. And then a victim is able to retrieve the stored data from the web application without that data being made safe to render in the browser”</a:t>
+            </a:r>
+            <a:endParaRPr sz="1300"/>
+          </a:p>
+          <a:p>
+            <a:pPr indent="-311150" lvl="0" marL="457200" rtl="0" algn="l">
+              <a:spcBef>
+                <a:spcPts val="0"/>
+              </a:spcBef>
+              <a:spcAft>
+                <a:spcPts val="0"/>
+              </a:spcAft>
+              <a:buSzPts val="1300"/>
+              <a:buAutoNum type="arabicPeriod"/>
+            </a:pPr>
+            <a:r>
+              <a:rPr b="1" lang="en" sz="1300"/>
+              <a:t>REFLECTED - Non-Persistent/Type II</a:t>
+            </a:r>
+            <a:endParaRPr b="1" sz="1300"/>
+          </a:p>
+          <a:p>
+            <a:pPr indent="-311150" lvl="1" marL="1371600" rtl="0" algn="l">
+              <a:spcBef>
+                <a:spcPts val="0"/>
+              </a:spcBef>
+              <a:spcAft>
+                <a:spcPts val="0"/>
+              </a:spcAft>
+              <a:buSzPts val="1300"/>
+              <a:buAutoNum type="alphaLcPeriod"/>
+            </a:pPr>
+            <a:r>
+              <a:rPr lang="en" sz="1300"/>
+              <a:t>“ser input is immediately returned by a web application in an error message, search result, or any other response that includes some or all of the input provided by the user as part of the request, without that data being made safe to render in the browser, and without permanently storing the user provided data”</a:t>
+            </a:r>
+            <a:endParaRPr sz="1300"/>
+          </a:p>
+          <a:p>
+            <a:pPr indent="-311150" lvl="0" marL="457200" rtl="0" algn="l">
+              <a:spcBef>
+                <a:spcPts val="0"/>
+              </a:spcBef>
+              <a:spcAft>
+                <a:spcPts val="0"/>
+              </a:spcAft>
+              <a:buSzPts val="1300"/>
+              <a:buAutoNum type="arabicPeriod"/>
+            </a:pPr>
+            <a:r>
+              <a:rPr b="1" lang="en" sz="1300"/>
+              <a:t>DOM BASED XSS - Type 0 </a:t>
+            </a:r>
+            <a:endParaRPr sz="1300"/>
+          </a:p>
+          <a:p>
+            <a:pPr indent="-311150" lvl="1" marL="1371600" rtl="0" algn="l">
+              <a:spcBef>
+                <a:spcPts val="0"/>
+              </a:spcBef>
+              <a:spcAft>
+                <a:spcPts val="0"/>
+              </a:spcAft>
+              <a:buSzPts val="1300"/>
+              <a:buAutoNum type="alphaLcPeriod"/>
+            </a:pPr>
+            <a:r>
+              <a:rPr lang="en" sz="1300"/>
+              <a:t>“ the entire tainted data flow from source to sink takes place in the browser, i.e., the source of the data is in the DOM, the sink is also in the DOM, and the data flow never leaves the </a:t>
+            </a:r>
+            <a:r>
+              <a:rPr lang="en" sz="1300"/>
+              <a:t>browser</a:t>
+            </a:r>
+            <a:r>
+              <a:rPr lang="en" sz="1300"/>
+              <a:t>” </a:t>
+            </a:r>
+            <a:endParaRPr b="1" sz="1300"/>
+          </a:p>
+          <a:p>
+            <a:pPr indent="0" lvl="0" marL="0" rtl="0" algn="l">
+              <a:spcBef>
+                <a:spcPts val="1600"/>
+              </a:spcBef>
+              <a:spcAft>
+                <a:spcPts val="1600"/>
+              </a:spcAft>
+              <a:buNone/>
+            </a:pPr>
+            <a:r>
+              <a:t/>
+            </a:r>
+            <a:endParaRPr sz="1300"/>
+          </a:p>
+        </p:txBody>
+      </p:sp>
+      <p:sp>
+        <p:nvSpPr>
+          <p:cNvPr id="619" name="Google Shape;619;p44"/>
+          <p:cNvSpPr txBox="1"/>
+          <p:nvPr>
+            <p:ph type="title"/>
+          </p:nvPr>
+        </p:nvSpPr>
+        <p:spPr>
+          <a:xfrm>
+            <a:off x="720000" y="445025"/>
+            <a:ext cx="7704000" cy="572700"/>
+          </a:xfrm>
+          <a:prstGeom prst="rect">
+            <a:avLst/>
+          </a:prstGeom>
+        </p:spPr>
+        <p:txBody>
+          <a:bodyPr anchorCtr="0" anchor="t" bIns="91425" lIns="91425" spcFirstLastPara="1" rIns="91425" wrap="square" tIns="91425">
+            <a:noAutofit/>
+          </a:bodyPr>
+          <a:lstStyle/>
+          <a:p>
+            <a:pPr indent="0" lvl="0" marL="0" rtl="0" algn="ctr">
+              <a:spcBef>
+                <a:spcPts val="0"/>
+              </a:spcBef>
+              <a:spcAft>
+                <a:spcPts val="0"/>
+              </a:spcAft>
+              <a:buNone/>
+            </a:pPr>
+            <a:r>
+              <a:rPr lang="en"/>
+              <a:t>TYPES</a:t>
             </a:r>
             <a:endParaRPr/>
           </a:p>
